--- a/Asana.pptx
+++ b/Asana.pptx
@@ -366,7 +366,7 @@
               <a:rPr lang="pt-BR" smtClean="0"/>
               <a:t>13/10/2018</a:t>
             </a:fld>
-            <a:endParaRPr lang="pt-BR"/>
+            <a:endParaRPr lang="pt-BR" dirty="0"/>
           </a:p>
         </p:txBody>
       </p:sp>
@@ -385,7 +385,7 @@
           <a:bodyPr/>
           <a:lstStyle/>
           <a:p>
-            <a:endParaRPr lang="pt-BR"/>
+            <a:endParaRPr lang="pt-BR" dirty="0"/>
           </a:p>
         </p:txBody>
       </p:sp>
@@ -408,7 +408,7 @@
               <a:rPr lang="pt-BR" smtClean="0"/>
               <a:t>‹nº›</a:t>
             </a:fld>
-            <a:endParaRPr lang="pt-BR"/>
+            <a:endParaRPr lang="pt-BR" dirty="0"/>
           </a:p>
         </p:txBody>
       </p:sp>
@@ -574,7 +574,7 @@
               <a:rPr lang="pt-BR" smtClean="0"/>
               <a:t>13/10/2018</a:t>
             </a:fld>
-            <a:endParaRPr lang="pt-BR"/>
+            <a:endParaRPr lang="pt-BR" dirty="0"/>
           </a:p>
         </p:txBody>
       </p:sp>
@@ -593,7 +593,7 @@
           <a:bodyPr/>
           <a:lstStyle/>
           <a:p>
-            <a:endParaRPr lang="pt-BR"/>
+            <a:endParaRPr lang="pt-BR" dirty="0"/>
           </a:p>
         </p:txBody>
       </p:sp>
@@ -616,7 +616,7 @@
               <a:rPr lang="pt-BR" smtClean="0"/>
               <a:t>‹nº›</a:t>
             </a:fld>
-            <a:endParaRPr lang="pt-BR"/>
+            <a:endParaRPr lang="pt-BR" dirty="0"/>
           </a:p>
         </p:txBody>
       </p:sp>
@@ -830,7 +830,7 @@
               <a:rPr lang="pt-BR" smtClean="0"/>
               <a:t>13/10/2018</a:t>
             </a:fld>
-            <a:endParaRPr lang="pt-BR"/>
+            <a:endParaRPr lang="pt-BR" dirty="0"/>
           </a:p>
         </p:txBody>
       </p:sp>
@@ -849,7 +849,7 @@
           <a:bodyPr/>
           <a:lstStyle/>
           <a:p>
-            <a:endParaRPr lang="pt-BR"/>
+            <a:endParaRPr lang="pt-BR" dirty="0"/>
           </a:p>
         </p:txBody>
       </p:sp>
@@ -872,7 +872,7 @@
               <a:rPr lang="pt-BR" smtClean="0"/>
               <a:t>‹nº›</a:t>
             </a:fld>
-            <a:endParaRPr lang="pt-BR"/>
+            <a:endParaRPr lang="pt-BR" dirty="0"/>
           </a:p>
         </p:txBody>
       </p:sp>
@@ -1009,7 +1009,7 @@
               <a:rPr lang="pt-BR" smtClean="0"/>
               <a:t>13/10/2018</a:t>
             </a:fld>
-            <a:endParaRPr lang="pt-BR"/>
+            <a:endParaRPr lang="pt-BR" dirty="0"/>
           </a:p>
         </p:txBody>
       </p:sp>
@@ -1028,7 +1028,7 @@
           <a:bodyPr/>
           <a:lstStyle/>
           <a:p>
-            <a:endParaRPr lang="pt-BR"/>
+            <a:endParaRPr lang="pt-BR" dirty="0"/>
           </a:p>
         </p:txBody>
       </p:sp>
@@ -1051,7 +1051,7 @@
               <a:rPr lang="pt-BR" smtClean="0"/>
               <a:t>‹nº›</a:t>
             </a:fld>
-            <a:endParaRPr lang="pt-BR"/>
+            <a:endParaRPr lang="pt-BR" dirty="0"/>
           </a:p>
         </p:txBody>
       </p:sp>
@@ -1352,7 +1352,7 @@
               <a:rPr lang="pt-BR" smtClean="0"/>
               <a:t>13/10/2018</a:t>
             </a:fld>
-            <a:endParaRPr lang="pt-BR"/>
+            <a:endParaRPr lang="pt-BR" dirty="0"/>
           </a:p>
         </p:txBody>
       </p:sp>
@@ -1371,7 +1371,7 @@
           <a:bodyPr/>
           <a:lstStyle/>
           <a:p>
-            <a:endParaRPr lang="pt-BR"/>
+            <a:endParaRPr lang="pt-BR" dirty="0"/>
           </a:p>
         </p:txBody>
       </p:sp>
@@ -1394,7 +1394,7 @@
               <a:rPr lang="pt-BR" smtClean="0"/>
               <a:t>‹nº›</a:t>
             </a:fld>
-            <a:endParaRPr lang="pt-BR"/>
+            <a:endParaRPr lang="pt-BR" dirty="0"/>
           </a:p>
         </p:txBody>
       </p:sp>
@@ -1627,7 +1627,7 @@
               <a:rPr lang="pt-BR" smtClean="0"/>
               <a:t>13/10/2018</a:t>
             </a:fld>
-            <a:endParaRPr lang="pt-BR"/>
+            <a:endParaRPr lang="pt-BR" dirty="0"/>
           </a:p>
         </p:txBody>
       </p:sp>
@@ -1646,7 +1646,7 @@
           <a:bodyPr/>
           <a:lstStyle/>
           <a:p>
-            <a:endParaRPr lang="pt-BR"/>
+            <a:endParaRPr lang="pt-BR" dirty="0"/>
           </a:p>
         </p:txBody>
       </p:sp>
@@ -1669,7 +1669,7 @@
               <a:rPr lang="pt-BR" smtClean="0"/>
               <a:t>‹nº›</a:t>
             </a:fld>
-            <a:endParaRPr lang="pt-BR"/>
+            <a:endParaRPr lang="pt-BR" dirty="0"/>
           </a:p>
         </p:txBody>
       </p:sp>
@@ -2011,7 +2011,7 @@
               <a:rPr lang="pt-BR" smtClean="0"/>
               <a:t>13/10/2018</a:t>
             </a:fld>
-            <a:endParaRPr lang="pt-BR"/>
+            <a:endParaRPr lang="pt-BR" dirty="0"/>
           </a:p>
         </p:txBody>
       </p:sp>
@@ -2030,7 +2030,7 @@
           <a:bodyPr/>
           <a:lstStyle/>
           <a:p>
-            <a:endParaRPr lang="pt-BR"/>
+            <a:endParaRPr lang="pt-BR" dirty="0"/>
           </a:p>
         </p:txBody>
       </p:sp>
@@ -2053,7 +2053,7 @@
               <a:rPr lang="pt-BR" smtClean="0"/>
               <a:t>‹nº›</a:t>
             </a:fld>
-            <a:endParaRPr lang="pt-BR"/>
+            <a:endParaRPr lang="pt-BR" dirty="0"/>
           </a:p>
         </p:txBody>
       </p:sp>
@@ -2134,7 +2134,7 @@
               <a:rPr lang="pt-BR" smtClean="0"/>
               <a:t>13/10/2018</a:t>
             </a:fld>
-            <a:endParaRPr lang="pt-BR"/>
+            <a:endParaRPr lang="pt-BR" dirty="0"/>
           </a:p>
         </p:txBody>
       </p:sp>
@@ -2153,7 +2153,7 @@
           <a:bodyPr/>
           <a:lstStyle/>
           <a:p>
-            <a:endParaRPr lang="pt-BR"/>
+            <a:endParaRPr lang="pt-BR" dirty="0"/>
           </a:p>
         </p:txBody>
       </p:sp>
@@ -2176,7 +2176,7 @@
               <a:rPr lang="pt-BR" smtClean="0"/>
               <a:t>‹nº›</a:t>
             </a:fld>
-            <a:endParaRPr lang="pt-BR"/>
+            <a:endParaRPr lang="pt-BR" dirty="0"/>
           </a:p>
         </p:txBody>
       </p:sp>
@@ -2305,7 +2305,7 @@
               <a:rPr lang="pt-BR" smtClean="0"/>
               <a:t>13/10/2018</a:t>
             </a:fld>
-            <a:endParaRPr lang="pt-BR"/>
+            <a:endParaRPr lang="pt-BR" dirty="0"/>
           </a:p>
         </p:txBody>
       </p:sp>
@@ -2332,7 +2332,7 @@
             </a:lvl1pPr>
           </a:lstStyle>
           <a:p>
-            <a:endParaRPr lang="pt-BR"/>
+            <a:endParaRPr lang="pt-BR" dirty="0"/>
           </a:p>
         </p:txBody>
       </p:sp>
@@ -2355,7 +2355,7 @@
               <a:rPr lang="pt-BR" smtClean="0"/>
               <a:t>‹nº›</a:t>
             </a:fld>
-            <a:endParaRPr lang="pt-BR"/>
+            <a:endParaRPr lang="pt-BR" dirty="0"/>
           </a:p>
         </p:txBody>
       </p:sp>
@@ -2659,7 +2659,7 @@
               <a:rPr lang="pt-BR" smtClean="0"/>
               <a:t>13/10/2018</a:t>
             </a:fld>
-            <a:endParaRPr lang="pt-BR"/>
+            <a:endParaRPr lang="pt-BR" dirty="0"/>
           </a:p>
         </p:txBody>
       </p:sp>
@@ -2691,7 +2691,7 @@
             </a:lvl1pPr>
           </a:lstStyle>
           <a:p>
-            <a:endParaRPr lang="pt-BR"/>
+            <a:endParaRPr lang="pt-BR" dirty="0"/>
           </a:p>
         </p:txBody>
       </p:sp>
@@ -2722,7 +2722,7 @@
               <a:rPr lang="pt-BR" smtClean="0"/>
               <a:t>‹nº›</a:t>
             </a:fld>
-            <a:endParaRPr lang="pt-BR"/>
+            <a:endParaRPr lang="pt-BR" dirty="0"/>
           </a:p>
         </p:txBody>
       </p:sp>
@@ -2943,7 +2943,7 @@
           </a:lstStyle>
           <a:p>
             <a:r>
-              <a:rPr lang="pt-BR"/>
+              <a:rPr lang="pt-BR" dirty="0"/>
               <a:t>Clique no ícone para adicionar uma imagem</a:t>
             </a:r>
             <a:endParaRPr lang="en-US" dirty="0"/>
@@ -3046,7 +3046,7 @@
               <a:rPr lang="pt-BR" smtClean="0"/>
               <a:t>13/10/2018</a:t>
             </a:fld>
-            <a:endParaRPr lang="pt-BR"/>
+            <a:endParaRPr lang="pt-BR" dirty="0"/>
           </a:p>
         </p:txBody>
       </p:sp>
@@ -3065,7 +3065,7 @@
           <a:bodyPr/>
           <a:lstStyle/>
           <a:p>
-            <a:endParaRPr lang="pt-BR"/>
+            <a:endParaRPr lang="pt-BR" dirty="0"/>
           </a:p>
         </p:txBody>
       </p:sp>
@@ -3088,7 +3088,7 @@
               <a:rPr lang="pt-BR" smtClean="0"/>
               <a:t>‹nº›</a:t>
             </a:fld>
-            <a:endParaRPr lang="pt-BR"/>
+            <a:endParaRPr lang="pt-BR" dirty="0"/>
           </a:p>
         </p:txBody>
       </p:sp>
@@ -3333,7 +3333,7 @@
               <a:rPr lang="pt-BR" smtClean="0"/>
               <a:t>13/10/2018</a:t>
             </a:fld>
-            <a:endParaRPr lang="pt-BR"/>
+            <a:endParaRPr lang="pt-BR" dirty="0"/>
           </a:p>
         </p:txBody>
       </p:sp>
@@ -3368,7 +3368,7 @@
             </a:lvl1pPr>
           </a:lstStyle>
           <a:p>
-            <a:endParaRPr lang="pt-BR"/>
+            <a:endParaRPr lang="pt-BR" dirty="0"/>
           </a:p>
         </p:txBody>
       </p:sp>
@@ -3407,7 +3407,7 @@
               <a:rPr lang="pt-BR" smtClean="0"/>
               <a:t>‹nº›</a:t>
             </a:fld>
-            <a:endParaRPr lang="pt-BR"/>
+            <a:endParaRPr lang="pt-BR" dirty="0"/>
           </a:p>
         </p:txBody>
       </p:sp>
@@ -4551,15 +4551,7 @@
             </a:pPr>
             <a:r>
               <a:rPr lang="pt-BR" dirty="0"/>
-              <a:t>https://en.wikipedia.org/wiki/</a:t>
-            </a:r>
-            <a:r>
-              <a:rPr lang="pt-BR" dirty="0" err="1"/>
-              <a:t>Asana</a:t>
-            </a:r>
-            <a:r>
-              <a:rPr lang="pt-BR" dirty="0"/>
-              <a:t>_(software) em 08/10/2018</a:t>
+              <a:t>https://en.wikipedia.org/wiki/Asana_(software) em 08/10/2018</a:t>
             </a:r>
           </a:p>
           <a:p>
@@ -4698,12 +4690,8 @@
           </a:p>
           <a:p>
             <a:r>
-              <a:rPr lang="pt-BR" dirty="0" err="1"/>
-              <a:t>Sebilson</a:t>
-            </a:r>
-            <a:r>
               <a:rPr lang="pt-BR" dirty="0"/>
-              <a:t> Bartolomeu – RA 618100634</a:t>
+              <a:t>Sebilson Bartolomeu – RA 618100634</a:t>
             </a:r>
           </a:p>
           <a:p>
@@ -4813,7 +4801,7 @@
               <a:buNone/>
               <a:tabLst/>
             </a:pPr>
-            <a:endParaRPr kumimoji="0" lang="pt-BR" altLang="pt-BR" sz="1800" b="0" i="0" u="none" strike="noStrike" cap="none" normalizeH="0" baseline="0">
+            <a:endParaRPr kumimoji="0" lang="pt-BR" altLang="pt-BR" sz="1800" b="0" i="0" u="none" strike="noStrike" cap="none" normalizeH="0" baseline="0" dirty="0">
               <a:ln>
                 <a:noFill/>
               </a:ln>
@@ -4842,7 +4830,7 @@
               <a:tabLst/>
             </a:pPr>
             <a:br>
-              <a:rPr kumimoji="0" lang="pt-BR" altLang="pt-BR" sz="1200" b="1" i="0" u="none" strike="noStrike" cap="none" normalizeH="0" baseline="0">
+              <a:rPr kumimoji="0" lang="pt-BR" altLang="pt-BR" sz="1200" b="1" i="0" u="none" strike="noStrike" cap="none" normalizeH="0" baseline="0" dirty="0">
                 <a:ln>
                   <a:noFill/>
                 </a:ln>
@@ -4854,7 +4842,7 @@
                 <a:cs typeface="Arial" panose="020B0604020202020204" pitchFamily="34" charset="0"/>
               </a:rPr>
             </a:br>
-            <a:endParaRPr kumimoji="0" lang="pt-BR" altLang="pt-BR" sz="800" b="0" i="0" u="none" strike="noStrike" cap="none" normalizeH="0" baseline="0">
+            <a:endParaRPr kumimoji="0" lang="pt-BR" altLang="pt-BR" sz="800" b="0" i="0" u="none" strike="noStrike" cap="none" normalizeH="0" baseline="0" dirty="0">
               <a:ln>
                 <a:noFill/>
               </a:ln>
@@ -4881,7 +4869,7 @@
               <a:buNone/>
               <a:tabLst/>
             </a:pPr>
-            <a:endParaRPr kumimoji="0" lang="pt-BR" altLang="pt-BR" sz="1800" b="0" i="0" u="none" strike="noStrike" cap="none" normalizeH="0" baseline="0">
+            <a:endParaRPr kumimoji="0" lang="pt-BR" altLang="pt-BR" sz="1800" b="0" i="0" u="none" strike="noStrike" cap="none" normalizeH="0" baseline="0" dirty="0">
               <a:ln>
                 <a:noFill/>
               </a:ln>
@@ -4968,23 +4956,7 @@
             </a:pPr>
             <a:r>
               <a:rPr lang="pt-BR" dirty="0"/>
-              <a:t>O </a:t>
-            </a:r>
-            <a:r>
-              <a:rPr lang="pt-BR" dirty="0" err="1"/>
-              <a:t>Asana</a:t>
-            </a:r>
-            <a:r>
-              <a:rPr lang="pt-BR" dirty="0"/>
-              <a:t> é um software como serviço projetado para melhorar a colaboração em equipe e o gerenciamento do trabalho. Ele ajuda as equipes a gerenciar projetos e tarefas em uma ferramenta. As equipes podem criar projetos, atribuir trabalho a colegas de equipe, especificar prazos e comunicar-se sobre tarefas diretamente no </a:t>
-            </a:r>
-            <a:r>
-              <a:rPr lang="pt-BR" dirty="0" err="1"/>
-              <a:t>Asana</a:t>
-            </a:r>
-            <a:r>
-              <a:rPr lang="pt-BR" dirty="0"/>
-              <a:t>. Inclui também ferramentas de relatórios, anexos de arquivos, calendários e muito mais.</a:t>
+              <a:t>O Asana é um software como serviço projetado para melhorar a colaboração em equipe e o gerenciamento do trabalho. Ele ajuda as equipes a gerenciar projetos e tarefas em uma ferramenta. As equipes podem criar projetos, atribuir trabalho a colegas de equipe, especificar prazos e comunicar-se sobre tarefas diretamente no Asana. Inclui também ferramentas de relatórios, anexos de arquivos, calendários e muito mais.</a:t>
             </a:r>
           </a:p>
           <a:p>
@@ -4993,19 +4965,7 @@
             </a:pPr>
             <a:r>
               <a:rPr lang="pt-BR" dirty="0"/>
-              <a:t>Foi fundado em 2008 pelo </a:t>
-            </a:r>
-            <a:r>
-              <a:rPr lang="pt-BR" dirty="0" err="1"/>
-              <a:t>co-fundador</a:t>
-            </a:r>
-            <a:r>
-              <a:rPr lang="pt-BR" dirty="0"/>
-              <a:t> do Facebook, Dustin </a:t>
-            </a:r>
-            <a:r>
-              <a:rPr lang="pt-BR" dirty="0" err="1"/>
-              <a:t>Moskovitz</a:t>
+              <a:t>Foi fundado em 2008 pelo cofundador do Facebook, Dustin Moskovitz</a:t>
             </a:r>
             <a:r>
               <a:rPr lang="pt-BR" u="sng" dirty="0"/>
@@ -5013,23 +4973,7 @@
             </a:r>
             <a:r>
               <a:rPr lang="pt-BR" dirty="0"/>
-              <a:t> e pelo </a:t>
-            </a:r>
-            <a:r>
-              <a:rPr lang="pt-BR" dirty="0" err="1"/>
-              <a:t>ex-engenheiro</a:t>
-            </a:r>
-            <a:r>
-              <a:rPr lang="pt-BR" dirty="0"/>
-              <a:t> do Google e Facebook Justin </a:t>
-            </a:r>
-            <a:r>
-              <a:rPr lang="pt-BR" dirty="0" err="1"/>
-              <a:t>Rosenstein</a:t>
-            </a:r>
-            <a:r>
-              <a:rPr lang="pt-BR" dirty="0"/>
-              <a:t>, ambos trabalhando na melhoria da produtividade. de funcionários no Facebook. </a:t>
+              <a:t> e pelo ex-engenheiro do Google e Facebook Justin Rosenstein, ambos trabalhando na melhoria da produtividade. de funcionários no Facebook. </a:t>
             </a:r>
           </a:p>
           <a:p>
@@ -6052,15 +5996,7 @@
             </a:pPr>
             <a:r>
               <a:rPr lang="pt-BR" dirty="0"/>
-              <a:t>Ferramentas Microsoft (</a:t>
-            </a:r>
-            <a:r>
-              <a:rPr lang="pt-BR" dirty="0" err="1"/>
-              <a:t>Teams</a:t>
-            </a:r>
-            <a:r>
-              <a:rPr lang="pt-BR" dirty="0"/>
-              <a:t>, Exchange, Outlook)</a:t>
+              <a:t>Ferramentas Microsoft (Teams, Exchange, Outlook)</a:t>
             </a:r>
           </a:p>
           <a:p>
@@ -6070,15 +6006,7 @@
             </a:pPr>
             <a:r>
               <a:rPr lang="pt-BR" dirty="0"/>
-              <a:t>Ferramentas Armazenamento  (Google drive, Dropbox, </a:t>
-            </a:r>
-            <a:r>
-              <a:rPr lang="pt-BR" dirty="0" err="1"/>
-              <a:t>Onedrive</a:t>
-            </a:r>
-            <a:r>
-              <a:rPr lang="pt-BR" dirty="0"/>
-              <a:t>)</a:t>
+              <a:t>Ferramentas Armazenamento  (Google drive, Dropbox, Onedrive)</a:t>
             </a:r>
           </a:p>
           <a:p>
@@ -6088,15 +6016,7 @@
             </a:pPr>
             <a:r>
               <a:rPr lang="pt-BR" dirty="0"/>
-              <a:t>Ferramentas de mail marketing (</a:t>
-            </a:r>
-            <a:r>
-              <a:rPr lang="pt-BR" dirty="0" err="1"/>
-              <a:t>Mainchip</a:t>
-            </a:r>
-            <a:r>
-              <a:rPr lang="pt-BR" dirty="0"/>
-              <a:t>)</a:t>
+              <a:t>Ferramentas de mail marketing (Mainchip)</a:t>
             </a:r>
           </a:p>
           <a:p>
@@ -6627,7 +6547,7 @@
           <a:bodyPr/>
           <a:lstStyle/>
           <a:p>
-            <a:endParaRPr lang="pt-BR"/>
+            <a:endParaRPr lang="pt-BR" dirty="0"/>
           </a:p>
         </p:txBody>
       </p:sp>
